--- a/Проект_Борислав_Марков_0MI3400048.pptx
+++ b/Проект_Борислав_Марков_0MI3400048.pptx
@@ -22,6 +22,12 @@
     <p:sldId id="270" r:id="rId16"/>
     <p:sldId id="271" r:id="rId17"/>
     <p:sldId id="272" r:id="rId18"/>
+    <p:sldId id="273" r:id="rId19"/>
+    <p:sldId id="274" r:id="rId20"/>
+    <p:sldId id="275" r:id="rId21"/>
+    <p:sldId id="276" r:id="rId22"/>
+    <p:sldId id="277" r:id="rId23"/>
+    <p:sldId id="278" r:id="rId24"/>
   </p:sldIdLst>
   <p:sldSz cx="12192000" cy="6858000"/>
   <p:notesSz cx="6858000" cy="9144000"/>
@@ -120,6 +126,11 @@
       </a:defRPr>
     </a:lvl9pPr>
   </p:defaultTextStyle>
+  <p:extLst>
+    <p:ext uri="{EFAFB233-063F-42B5-8137-9DF3F51BA10A}">
+      <p15:sldGuideLst xmlns:p15="http://schemas.microsoft.com/office/powerpoint/2012/main"/>
+    </p:ext>
+  </p:extLst>
 </p:presentation>
 </file>
 
@@ -9650,6 +9661,10 @@
               <a:rPr lang="en-GB" dirty="0" err="1"/>
               <a:t>LightFM</a:t>
             </a:r>
+            <a:r>
+              <a:rPr lang="bg-BG" dirty="0"/>
+              <a:t>: Модел</a:t>
+            </a:r>
             <a:endParaRPr lang="en-GB" dirty="0"/>
           </a:p>
         </p:txBody>
@@ -10268,6 +10283,10 @@
               <a:rPr lang="en-GB" dirty="0" err="1"/>
               <a:t>LightFM</a:t>
             </a:r>
+            <a:r>
+              <a:rPr lang="bg-BG" dirty="0"/>
+              <a:t>: хиперпараметри</a:t>
+            </a:r>
             <a:endParaRPr lang="en-GB" dirty="0"/>
           </a:p>
         </p:txBody>
@@ -10325,11 +10344,17 @@
           <p:cNvGraphicFramePr>
             <a:graphicFrameLocks noGrp="1"/>
           </p:cNvGraphicFramePr>
-          <p:nvPr/>
+          <p:nvPr>
+            <p:extLst>
+              <p:ext uri="{D42A27DB-BD31-4B8C-83A1-F6EECF244321}">
+                <p14:modId xmlns:p14="http://schemas.microsoft.com/office/powerpoint/2010/main" val="1891410987"/>
+              </p:ext>
+            </p:extLst>
+          </p:nvPr>
         </p:nvGraphicFramePr>
         <p:xfrm>
-          <a:off x="4184333" y="3061652"/>
-          <a:ext cx="5725160" cy="2028127"/>
+          <a:off x="2690812" y="3557588"/>
+          <a:ext cx="7734300" cy="2095499"/>
         </p:xfrm>
         <a:graphic>
           <a:graphicData uri="http://schemas.openxmlformats.org/drawingml/2006/table">
@@ -10338,21 +10363,21 @@
                 <a:tableStyleId>{5C22544A-7EE6-4342-B048-85BDC9FD1C3A}</a:tableStyleId>
               </a:tblPr>
               <a:tblGrid>
-                <a:gridCol w="627380">
+                <a:gridCol w="1476375">
                   <a:extLst>
                     <a:ext uri="{9D8B030D-6E8A-4147-A177-3AD203B41FA5}">
                       <a16:colId xmlns:a16="http://schemas.microsoft.com/office/drawing/2014/main" val="4094609410"/>
                     </a:ext>
                   </a:extLst>
                 </a:gridCol>
-                <a:gridCol w="4394835">
+                <a:gridCol w="5308294">
                   <a:extLst>
                     <a:ext uri="{9D8B030D-6E8A-4147-A177-3AD203B41FA5}">
                       <a16:colId xmlns:a16="http://schemas.microsoft.com/office/drawing/2014/main" val="293695304"/>
                     </a:ext>
                   </a:extLst>
                 </a:gridCol>
-                <a:gridCol w="702945">
+                <a:gridCol w="949631">
                   <a:extLst>
                     <a:ext uri="{9D8B030D-6E8A-4147-A177-3AD203B41FA5}">
                       <a16:colId xmlns:a16="http://schemas.microsoft.com/office/drawing/2014/main" val="1644013683"/>
@@ -10360,7 +10385,7 @@
                   </a:extLst>
                 </a:gridCol>
               </a:tblGrid>
-              <a:tr h="0">
+              <a:tr h="546839">
                 <a:tc>
                   <a:txBody>
                     <a:bodyPr/>
@@ -10460,7 +10485,7 @@
                   </a:ext>
                 </a:extLst>
               </a:tr>
-              <a:tr h="0">
+              <a:tr h="387165">
                 <a:tc>
                   <a:txBody>
                     <a:bodyPr/>
@@ -10562,7 +10587,7 @@
                   </a:ext>
                 </a:extLst>
               </a:tr>
-              <a:tr h="0">
+              <a:tr h="387165">
                 <a:tc>
                   <a:txBody>
                     <a:bodyPr/>
@@ -10664,7 +10689,7 @@
                   </a:ext>
                 </a:extLst>
               </a:tr>
-              <a:tr h="0">
+              <a:tr h="387165">
                 <a:tc>
                   <a:txBody>
                     <a:bodyPr/>
@@ -10786,7 +10811,7 @@
                   </a:ext>
                 </a:extLst>
               </a:tr>
-              <a:tr h="0">
+              <a:tr h="387165">
                 <a:tc>
                   <a:txBody>
                     <a:bodyPr/>
@@ -10925,6 +10950,578 @@
 </p:sld>
 </file>
 
+<file path=ppt/slides/slide18.xml><?xml version="1.0" encoding="utf-8"?>
+<p:sld xmlns:a="http://schemas.openxmlformats.org/drawingml/2006/main" xmlns:r="http://schemas.openxmlformats.org/officeDocument/2006/relationships" xmlns:p="http://schemas.openxmlformats.org/presentationml/2006/main">
+  <p:cSld>
+    <p:spTree>
+      <p:nvGrpSpPr>
+        <p:cNvPr id="1" name=""/>
+        <p:cNvGrpSpPr/>
+        <p:nvPr/>
+      </p:nvGrpSpPr>
+      <p:grpSpPr>
+        <a:xfrm>
+          <a:off x="0" y="0"/>
+          <a:ext cx="0" cy="0"/>
+          <a:chOff x="0" y="0"/>
+          <a:chExt cx="0" cy="0"/>
+        </a:xfrm>
+      </p:grpSpPr>
+      <p:sp>
+        <p:nvSpPr>
+          <p:cNvPr id="2" name="Title 1">
+            <a:extLst>
+              <a:ext uri="{FF2B5EF4-FFF2-40B4-BE49-F238E27FC236}">
+                <a16:creationId xmlns:a16="http://schemas.microsoft.com/office/drawing/2014/main" id="{B0B07DA7-8224-1740-BF81-2B9E862174CF}"/>
+              </a:ext>
+            </a:extLst>
+          </p:cNvPr>
+          <p:cNvSpPr>
+            <a:spLocks noGrp="1"/>
+          </p:cNvSpPr>
+          <p:nvPr>
+            <p:ph type="title"/>
+          </p:nvPr>
+        </p:nvSpPr>
+        <p:spPr/>
+        <p:txBody>
+          <a:bodyPr/>
+          <a:lstStyle/>
+          <a:p>
+            <a:r>
+              <a:rPr lang="bg-BG" dirty="0"/>
+              <a:t>Изчисляване на тестови резултати</a:t>
+            </a:r>
+            <a:endParaRPr lang="en-GB" dirty="0"/>
+          </a:p>
+        </p:txBody>
+      </p:sp>
+      <p:sp>
+        <p:nvSpPr>
+          <p:cNvPr id="3" name="Content Placeholder 2">
+            <a:extLst>
+              <a:ext uri="{FF2B5EF4-FFF2-40B4-BE49-F238E27FC236}">
+                <a16:creationId xmlns:a16="http://schemas.microsoft.com/office/drawing/2014/main" id="{560488BB-02CA-7CE5-D184-93E4AD373B9A}"/>
+              </a:ext>
+            </a:extLst>
+          </p:cNvPr>
+          <p:cNvSpPr>
+            <a:spLocks noGrp="1"/>
+          </p:cNvSpPr>
+          <p:nvPr>
+            <p:ph idx="1"/>
+          </p:nvPr>
+        </p:nvSpPr>
+        <p:spPr/>
+        <p:txBody>
+          <a:bodyPr/>
+          <a:lstStyle/>
+          <a:p>
+            <a:r>
+              <a:rPr lang="bg-BG" dirty="0"/>
+              <a:t>Разделяме от тренировъчни данни допълнителни тестови данни с поръчки:</a:t>
+            </a:r>
+          </a:p>
+          <a:p>
+            <a:r>
+              <a:rPr lang="en-US" dirty="0" err="1"/>
+              <a:t>train_p_df</a:t>
+            </a:r>
+            <a:r>
+              <a:rPr lang="en-US" dirty="0"/>
+              <a:t>, </a:t>
+            </a:r>
+            <a:r>
+              <a:rPr lang="en-US" dirty="0" err="1"/>
+              <a:t>test_p_df</a:t>
+            </a:r>
+            <a:r>
+              <a:rPr lang="en-US" dirty="0"/>
+              <a:t> = </a:t>
+            </a:r>
+            <a:r>
+              <a:rPr lang="en-US" dirty="0" err="1"/>
+              <a:t>train_test_split</a:t>
+            </a:r>
+            <a:r>
+              <a:rPr lang="en-US" dirty="0"/>
+              <a:t>(</a:t>
+            </a:r>
+            <a:r>
+              <a:rPr lang="en-US" dirty="0" err="1"/>
+              <a:t>train_purchases_df</a:t>
+            </a:r>
+            <a:r>
+              <a:rPr lang="en-US" dirty="0"/>
+              <a:t>, </a:t>
+            </a:r>
+            <a:r>
+              <a:rPr lang="en-US" dirty="0" err="1"/>
+              <a:t>test_size</a:t>
+            </a:r>
+            <a:r>
+              <a:rPr lang="en-US" dirty="0"/>
+              <a:t>=0.02)</a:t>
+            </a:r>
+            <a:endParaRPr lang="ru-RU" dirty="0"/>
+          </a:p>
+          <a:p>
+            <a:r>
+              <a:rPr lang="ru-RU" dirty="0"/>
+              <a:t>избираме 2500 измежду най-продаваните стоки</a:t>
+            </a:r>
+          </a:p>
+          <a:p>
+            <a:r>
+              <a:rPr lang="en-US" sz="1800" b="0" i="0" u="none" strike="noStrike" baseline="0" dirty="0">
+                <a:solidFill>
+                  <a:srgbClr val="000000"/>
+                </a:solidFill>
+                <a:latin typeface="Courier New" panose="02070309020205020404" pitchFamily="49" charset="0"/>
+              </a:rPr>
+              <a:t># Recommend from most sold items </a:t>
+            </a:r>
+          </a:p>
+          <a:p>
+            <a:r>
+              <a:rPr lang="en-GB" sz="1800" b="0" i="0" u="none" strike="noStrike" baseline="0" dirty="0" err="1">
+                <a:solidFill>
+                  <a:srgbClr val="000000"/>
+                </a:solidFill>
+                <a:latin typeface="Courier New" panose="02070309020205020404" pitchFamily="49" charset="0"/>
+              </a:rPr>
+              <a:t>items_to_predict_array</a:t>
+            </a:r>
+            <a:r>
+              <a:rPr lang="en-GB" sz="1800" b="0" i="0" u="none" strike="noStrike" baseline="0" dirty="0">
+                <a:solidFill>
+                  <a:srgbClr val="000000"/>
+                </a:solidFill>
+                <a:latin typeface="Courier New" panose="02070309020205020404" pitchFamily="49" charset="0"/>
+              </a:rPr>
+              <a:t> = \ </a:t>
+            </a:r>
+          </a:p>
+          <a:p>
+            <a:r>
+              <a:rPr lang="en-US" sz="1800" b="0" i="0" u="none" strike="noStrike" baseline="0" dirty="0">
+                <a:solidFill>
+                  <a:srgbClr val="000000"/>
+                </a:solidFill>
+                <a:latin typeface="Courier New" panose="02070309020205020404" pitchFamily="49" charset="0"/>
+              </a:rPr>
+              <a:t>list(</a:t>
+            </a:r>
+            <a:r>
+              <a:rPr lang="en-US" sz="1800" b="0" i="0" u="none" strike="noStrike" baseline="0" dirty="0" err="1">
+                <a:solidFill>
+                  <a:srgbClr val="000000"/>
+                </a:solidFill>
+                <a:latin typeface="Courier New" panose="02070309020205020404" pitchFamily="49" charset="0"/>
+              </a:rPr>
+              <a:t>train_sessions_df</a:t>
+            </a:r>
+            <a:r>
+              <a:rPr lang="en-US" sz="1800" b="0" i="0" u="none" strike="noStrike" baseline="0" dirty="0">
+                <a:solidFill>
+                  <a:srgbClr val="000000"/>
+                </a:solidFill>
+                <a:latin typeface="Courier New" panose="02070309020205020404" pitchFamily="49" charset="0"/>
+              </a:rPr>
+              <a:t>['</a:t>
+            </a:r>
+            <a:r>
+              <a:rPr lang="en-US" sz="1800" b="0" i="0" u="none" strike="noStrike" baseline="0" dirty="0" err="1">
+                <a:solidFill>
+                  <a:srgbClr val="000000"/>
+                </a:solidFill>
+                <a:latin typeface="Courier New" panose="02070309020205020404" pitchFamily="49" charset="0"/>
+              </a:rPr>
+              <a:t>item_id</a:t>
+            </a:r>
+            <a:r>
+              <a:rPr lang="en-US" sz="1800" b="0" i="0" u="none" strike="noStrike" baseline="0" dirty="0">
+                <a:solidFill>
+                  <a:srgbClr val="000000"/>
+                </a:solidFill>
+                <a:latin typeface="Courier New" panose="02070309020205020404" pitchFamily="49" charset="0"/>
+              </a:rPr>
+              <a:t>'].</a:t>
+            </a:r>
+            <a:r>
+              <a:rPr lang="en-US" sz="1800" b="0" i="0" u="none" strike="noStrike" baseline="0" dirty="0" err="1">
+                <a:solidFill>
+                  <a:srgbClr val="000000"/>
+                </a:solidFill>
+                <a:latin typeface="Courier New" panose="02070309020205020404" pitchFamily="49" charset="0"/>
+              </a:rPr>
+              <a:t>value_counts</a:t>
+            </a:r>
+            <a:r>
+              <a:rPr lang="en-US" sz="1800" b="0" i="0" u="none" strike="noStrike" baseline="0" dirty="0">
+                <a:solidFill>
+                  <a:srgbClr val="000000"/>
+                </a:solidFill>
+                <a:latin typeface="Courier New" panose="02070309020205020404" pitchFamily="49" charset="0"/>
+              </a:rPr>
+              <a:t>()[0:2500].keys() 	</a:t>
+            </a:r>
+          </a:p>
+          <a:p>
+            <a:endParaRPr lang="en-GB" dirty="0"/>
+          </a:p>
+        </p:txBody>
+      </p:sp>
+    </p:spTree>
+    <p:extLst>
+      <p:ext uri="{BB962C8B-B14F-4D97-AF65-F5344CB8AC3E}">
+        <p14:creationId xmlns:p14="http://schemas.microsoft.com/office/powerpoint/2010/main" val="3899315564"/>
+      </p:ext>
+    </p:extLst>
+  </p:cSld>
+  <p:clrMapOvr>
+    <a:masterClrMapping/>
+  </p:clrMapOvr>
+</p:sld>
+</file>
+
+<file path=ppt/slides/slide19.xml><?xml version="1.0" encoding="utf-8"?>
+<p:sld xmlns:a="http://schemas.openxmlformats.org/drawingml/2006/main" xmlns:r="http://schemas.openxmlformats.org/officeDocument/2006/relationships" xmlns:p="http://schemas.openxmlformats.org/presentationml/2006/main">
+  <p:cSld>
+    <p:spTree>
+      <p:nvGrpSpPr>
+        <p:cNvPr id="1" name=""/>
+        <p:cNvGrpSpPr/>
+        <p:nvPr/>
+      </p:nvGrpSpPr>
+      <p:grpSpPr>
+        <a:xfrm>
+          <a:off x="0" y="0"/>
+          <a:ext cx="0" cy="0"/>
+          <a:chOff x="0" y="0"/>
+          <a:chExt cx="0" cy="0"/>
+        </a:xfrm>
+      </p:grpSpPr>
+      <p:sp>
+        <p:nvSpPr>
+          <p:cNvPr id="2" name="Title 1">
+            <a:extLst>
+              <a:ext uri="{FF2B5EF4-FFF2-40B4-BE49-F238E27FC236}">
+                <a16:creationId xmlns:a16="http://schemas.microsoft.com/office/drawing/2014/main" id="{02E123D3-611B-4FE5-784B-2ED725F6BDE0}"/>
+              </a:ext>
+            </a:extLst>
+          </p:cNvPr>
+          <p:cNvSpPr>
+            <a:spLocks noGrp="1"/>
+          </p:cNvSpPr>
+          <p:nvPr>
+            <p:ph type="title"/>
+          </p:nvPr>
+        </p:nvSpPr>
+        <p:spPr/>
+        <p:txBody>
+          <a:bodyPr/>
+          <a:lstStyle/>
+          <a:p>
+            <a:r>
+              <a:rPr lang="bg-BG" dirty="0"/>
+              <a:t>Предвиждане на рейтинг</a:t>
+            </a:r>
+            <a:endParaRPr lang="en-GB" dirty="0"/>
+          </a:p>
+        </p:txBody>
+      </p:sp>
+      <p:sp>
+        <p:nvSpPr>
+          <p:cNvPr id="3" name="Content Placeholder 2">
+            <a:extLst>
+              <a:ext uri="{FF2B5EF4-FFF2-40B4-BE49-F238E27FC236}">
+                <a16:creationId xmlns:a16="http://schemas.microsoft.com/office/drawing/2014/main" id="{0A11F475-81ED-CE37-50C2-CF41CCD02F45}"/>
+              </a:ext>
+            </a:extLst>
+          </p:cNvPr>
+          <p:cNvSpPr>
+            <a:spLocks noGrp="1"/>
+          </p:cNvSpPr>
+          <p:nvPr>
+            <p:ph idx="1"/>
+          </p:nvPr>
+        </p:nvSpPr>
+        <p:spPr/>
+        <p:txBody>
+          <a:bodyPr>
+            <a:normAutofit fontScale="85000" lnSpcReduction="20000"/>
+          </a:bodyPr>
+          <a:lstStyle/>
+          <a:p>
+            <a:r>
+              <a:rPr lang="en-GB" dirty="0"/>
+              <a:t>def </a:t>
+            </a:r>
+            <a:r>
+              <a:rPr lang="en-GB" dirty="0" err="1"/>
+              <a:t>predict_ratings</a:t>
+            </a:r>
+            <a:r>
+              <a:rPr lang="en-GB" dirty="0"/>
+              <a:t>(model, </a:t>
+            </a:r>
+            <a:r>
+              <a:rPr lang="en-GB" dirty="0" err="1"/>
+              <a:t>sessions_or_purchase_df</a:t>
+            </a:r>
+            <a:r>
+              <a:rPr lang="en-GB" dirty="0"/>
+              <a:t>, </a:t>
+            </a:r>
+            <a:r>
+              <a:rPr lang="en-GB" dirty="0" err="1"/>
+              <a:t>items_to_predict</a:t>
+            </a:r>
+            <a:r>
+              <a:rPr lang="en-GB" dirty="0"/>
+              <a:t>) :</a:t>
+            </a:r>
+          </a:p>
+          <a:p>
+            <a:r>
+              <a:rPr lang="en-GB" dirty="0"/>
+              <a:t>    </a:t>
+            </a:r>
+            <a:r>
+              <a:rPr lang="bg-BG" dirty="0"/>
+              <a:t>...</a:t>
+            </a:r>
+            <a:endParaRPr lang="en-GB" dirty="0"/>
+          </a:p>
+          <a:p>
+            <a:r>
+              <a:rPr lang="en-GB" dirty="0"/>
+              <a:t>    preds = </a:t>
+            </a:r>
+            <a:r>
+              <a:rPr lang="en-GB" b="1" dirty="0" err="1"/>
+              <a:t>model</a:t>
+            </a:r>
+            <a:r>
+              <a:rPr lang="en-GB" dirty="0" err="1"/>
+              <a:t>.predict</a:t>
+            </a:r>
+            <a:r>
+              <a:rPr lang="en-GB" dirty="0"/>
+              <a:t>(</a:t>
+            </a:r>
+            <a:r>
+              <a:rPr lang="en-GB" dirty="0" err="1"/>
+              <a:t>np.array</a:t>
+            </a:r>
+            <a:r>
+              <a:rPr lang="en-GB" dirty="0"/>
+              <a:t>(users), </a:t>
+            </a:r>
+            <a:r>
+              <a:rPr lang="en-GB" dirty="0" err="1"/>
+              <a:t>np.array</a:t>
+            </a:r>
+            <a:r>
+              <a:rPr lang="en-GB" dirty="0"/>
+              <a:t>(items))</a:t>
+            </a:r>
+          </a:p>
+          <a:p>
+            <a:r>
+              <a:rPr lang="en-GB" dirty="0"/>
+              <a:t>    </a:t>
+            </a:r>
+            <a:r>
+              <a:rPr lang="en-GB" dirty="0" err="1"/>
+              <a:t>session_ids_expanded</a:t>
+            </a:r>
+            <a:r>
+              <a:rPr lang="en-GB" dirty="0"/>
+              <a:t> = []</a:t>
+            </a:r>
+          </a:p>
+          <a:p>
+            <a:r>
+              <a:rPr lang="en-GB" dirty="0"/>
+              <a:t>    </a:t>
+            </a:r>
+            <a:r>
+              <a:rPr lang="en-GB" dirty="0" err="1"/>
+              <a:t>item_ids_expanded</a:t>
+            </a:r>
+            <a:r>
+              <a:rPr lang="en-GB" dirty="0"/>
+              <a:t> = []</a:t>
+            </a:r>
+          </a:p>
+          <a:p>
+            <a:r>
+              <a:rPr lang="en-GB" dirty="0"/>
+              <a:t>    for tup in </a:t>
+            </a:r>
+            <a:r>
+              <a:rPr lang="en-GB" dirty="0" err="1"/>
+              <a:t>tqdm</a:t>
+            </a:r>
+            <a:r>
+              <a:rPr lang="en-GB" dirty="0"/>
+              <a:t>(product(</a:t>
+            </a:r>
+            <a:r>
+              <a:rPr lang="en-GB" dirty="0" err="1"/>
+              <a:t>session_ids</a:t>
+            </a:r>
+            <a:r>
+              <a:rPr lang="en-GB" dirty="0"/>
+              <a:t>, </a:t>
+            </a:r>
+            <a:r>
+              <a:rPr lang="en-GB" dirty="0" err="1"/>
+              <a:t>items_to_predict</a:t>
+            </a:r>
+            <a:r>
+              <a:rPr lang="en-GB" dirty="0"/>
+              <a:t>)):</a:t>
+            </a:r>
+          </a:p>
+          <a:p>
+            <a:r>
+              <a:rPr lang="en-GB" dirty="0"/>
+              <a:t>        </a:t>
+            </a:r>
+            <a:r>
+              <a:rPr lang="en-GB" dirty="0" err="1"/>
+              <a:t>session_ids_expanded.append</a:t>
+            </a:r>
+            <a:r>
+              <a:rPr lang="en-GB" dirty="0"/>
+              <a:t>(tup[0])</a:t>
+            </a:r>
+          </a:p>
+          <a:p>
+            <a:r>
+              <a:rPr lang="en-GB" dirty="0"/>
+              <a:t>        </a:t>
+            </a:r>
+            <a:r>
+              <a:rPr lang="en-GB" dirty="0" err="1"/>
+              <a:t>item_ids_expanded.append</a:t>
+            </a:r>
+            <a:r>
+              <a:rPr lang="en-GB" dirty="0"/>
+              <a:t>(tup[1])    </a:t>
+            </a:r>
+          </a:p>
+          <a:p>
+            <a:r>
+              <a:rPr lang="en-GB" dirty="0"/>
+              <a:t>    </a:t>
+            </a:r>
+            <a:r>
+              <a:rPr lang="en-GB" dirty="0" err="1"/>
+              <a:t>df_score</a:t>
+            </a:r>
+            <a:r>
+              <a:rPr lang="en-GB" dirty="0"/>
+              <a:t> = </a:t>
+            </a:r>
+            <a:r>
+              <a:rPr lang="en-GB" dirty="0" err="1"/>
+              <a:t>pd.DataFrame</a:t>
+            </a:r>
+            <a:r>
+              <a:rPr lang="en-GB" dirty="0"/>
+              <a:t>({'</a:t>
+            </a:r>
+            <a:r>
+              <a:rPr lang="en-GB" dirty="0" err="1"/>
+              <a:t>session_id</a:t>
+            </a:r>
+            <a:r>
+              <a:rPr lang="en-GB" dirty="0"/>
+              <a:t>': </a:t>
+            </a:r>
+            <a:r>
+              <a:rPr lang="en-GB" dirty="0" err="1"/>
+              <a:t>np.array</a:t>
+            </a:r>
+            <a:r>
+              <a:rPr lang="en-GB" dirty="0"/>
+              <a:t>(</a:t>
+            </a:r>
+            <a:r>
+              <a:rPr lang="en-GB" dirty="0" err="1"/>
+              <a:t>session_ids_expanded</a:t>
+            </a:r>
+            <a:r>
+              <a:rPr lang="en-GB" dirty="0"/>
+              <a:t>), \</a:t>
+            </a:r>
+          </a:p>
+          <a:p>
+            <a:r>
+              <a:rPr lang="en-GB" dirty="0"/>
+              <a:t>                      'item_id':</a:t>
+            </a:r>
+            <a:r>
+              <a:rPr lang="en-GB" dirty="0" err="1"/>
+              <a:t>np.array</a:t>
+            </a:r>
+            <a:r>
+              <a:rPr lang="en-GB" dirty="0"/>
+              <a:t>(</a:t>
+            </a:r>
+            <a:r>
+              <a:rPr lang="en-GB" dirty="0" err="1"/>
+              <a:t>item_ids_expanded</a:t>
+            </a:r>
+            <a:r>
+              <a:rPr lang="en-GB" dirty="0"/>
+              <a:t>) , \</a:t>
+            </a:r>
+          </a:p>
+          <a:p>
+            <a:r>
+              <a:rPr lang="en-GB" dirty="0"/>
+              <a:t>                      'score':</a:t>
+            </a:r>
+            <a:r>
+              <a:rPr lang="en-GB" dirty="0" err="1"/>
+              <a:t>np.array</a:t>
+            </a:r>
+            <a:r>
+              <a:rPr lang="en-GB" dirty="0"/>
+              <a:t>(preds)})</a:t>
+            </a:r>
+          </a:p>
+          <a:p>
+            <a:r>
+              <a:rPr lang="en-GB" dirty="0"/>
+              <a:t>    return </a:t>
+            </a:r>
+            <a:r>
+              <a:rPr lang="en-GB" dirty="0" err="1"/>
+              <a:t>df_score</a:t>
+            </a:r>
+            <a:endParaRPr lang="en-GB" dirty="0"/>
+          </a:p>
+        </p:txBody>
+      </p:sp>
+    </p:spTree>
+    <p:extLst>
+      <p:ext uri="{BB962C8B-B14F-4D97-AF65-F5344CB8AC3E}">
+        <p14:creationId xmlns:p14="http://schemas.microsoft.com/office/powerpoint/2010/main" val="2623451251"/>
+      </p:ext>
+    </p:extLst>
+  </p:cSld>
+  <p:clrMapOvr>
+    <a:masterClrMapping/>
+  </p:clrMapOvr>
+</p:sld>
+</file>
+
 <file path=ppt/slides/slide2.xml><?xml version="1.0" encoding="utf-8"?>
 <p:sld xmlns:a="http://schemas.openxmlformats.org/drawingml/2006/main" xmlns:r="http://schemas.openxmlformats.org/officeDocument/2006/relationships" xmlns:p="http://schemas.openxmlformats.org/presentationml/2006/main">
   <p:cSld>
@@ -11134,6 +11731,737 @@
     <p:extLst>
       <p:ext uri="{BB962C8B-B14F-4D97-AF65-F5344CB8AC3E}">
         <p14:creationId xmlns:p14="http://schemas.microsoft.com/office/powerpoint/2010/main" val="3618417751"/>
+      </p:ext>
+    </p:extLst>
+  </p:cSld>
+  <p:clrMapOvr>
+    <a:masterClrMapping/>
+  </p:clrMapOvr>
+</p:sld>
+</file>
+
+<file path=ppt/slides/slide20.xml><?xml version="1.0" encoding="utf-8"?>
+<p:sld xmlns:a="http://schemas.openxmlformats.org/drawingml/2006/main" xmlns:r="http://schemas.openxmlformats.org/officeDocument/2006/relationships" xmlns:p="http://schemas.openxmlformats.org/presentationml/2006/main">
+  <p:cSld>
+    <p:spTree>
+      <p:nvGrpSpPr>
+        <p:cNvPr id="1" name=""/>
+        <p:cNvGrpSpPr/>
+        <p:nvPr/>
+      </p:nvGrpSpPr>
+      <p:grpSpPr>
+        <a:xfrm>
+          <a:off x="0" y="0"/>
+          <a:ext cx="0" cy="0"/>
+          <a:chOff x="0" y="0"/>
+          <a:chExt cx="0" cy="0"/>
+        </a:xfrm>
+      </p:grpSpPr>
+      <p:sp>
+        <p:nvSpPr>
+          <p:cNvPr id="2" name="Title 1">
+            <a:extLst>
+              <a:ext uri="{FF2B5EF4-FFF2-40B4-BE49-F238E27FC236}">
+                <a16:creationId xmlns:a16="http://schemas.microsoft.com/office/drawing/2014/main" id="{73963DAF-4423-37BE-9D62-6064846391DA}"/>
+              </a:ext>
+            </a:extLst>
+          </p:cNvPr>
+          <p:cNvSpPr>
+            <a:spLocks noGrp="1"/>
+          </p:cNvSpPr>
+          <p:nvPr>
+            <p:ph type="title"/>
+          </p:nvPr>
+        </p:nvSpPr>
+        <p:spPr/>
+        <p:txBody>
+          <a:bodyPr/>
+          <a:lstStyle/>
+          <a:p>
+            <a:r>
+              <a:rPr lang="bg-BG" dirty="0"/>
+              <a:t>Изчисляване на </a:t>
+            </a:r>
+            <a:r>
+              <a:rPr lang="en-US" dirty="0"/>
+              <a:t>MRR</a:t>
+            </a:r>
+            <a:r>
+              <a:rPr lang="bg-BG" dirty="0"/>
+              <a:t> вурху тестовите данни</a:t>
+            </a:r>
+            <a:endParaRPr lang="en-GB" dirty="0"/>
+          </a:p>
+        </p:txBody>
+      </p:sp>
+      <p:sp>
+        <p:nvSpPr>
+          <p:cNvPr id="3" name="Content Placeholder 2">
+            <a:extLst>
+              <a:ext uri="{FF2B5EF4-FFF2-40B4-BE49-F238E27FC236}">
+                <a16:creationId xmlns:a16="http://schemas.microsoft.com/office/drawing/2014/main" id="{88CBDFD5-CDC7-2011-245F-BC80EF2D4165}"/>
+              </a:ext>
+            </a:extLst>
+          </p:cNvPr>
+          <p:cNvSpPr>
+            <a:spLocks noGrp="1"/>
+          </p:cNvSpPr>
+          <p:nvPr>
+            <p:ph idx="1"/>
+          </p:nvPr>
+        </p:nvSpPr>
+        <p:spPr/>
+        <p:txBody>
+          <a:bodyPr>
+            <a:normAutofit fontScale="55000" lnSpcReduction="20000"/>
+          </a:bodyPr>
+          <a:lstStyle/>
+          <a:p>
+            <a:r>
+              <a:rPr lang="en-GB" dirty="0"/>
+              <a:t>def </a:t>
+            </a:r>
+            <a:r>
+              <a:rPr lang="en-GB" b="1" dirty="0" err="1"/>
+              <a:t>calc_mrr</a:t>
+            </a:r>
+            <a:r>
+              <a:rPr lang="en-GB" dirty="0"/>
+              <a:t>(</a:t>
+            </a:r>
+            <a:r>
+              <a:rPr lang="en-GB" dirty="0" err="1"/>
+              <a:t>result_df</a:t>
+            </a:r>
+            <a:r>
+              <a:rPr lang="en-GB" dirty="0"/>
+              <a:t>, </a:t>
+            </a:r>
+            <a:r>
+              <a:rPr lang="en-GB" dirty="0" err="1"/>
+              <a:t>test_df</a:t>
+            </a:r>
+            <a:r>
+              <a:rPr lang="en-GB" dirty="0"/>
+              <a:t>):</a:t>
+            </a:r>
+          </a:p>
+          <a:p>
+            <a:r>
+              <a:rPr lang="en-GB" dirty="0"/>
+              <a:t>    </a:t>
+            </a:r>
+            <a:r>
+              <a:rPr lang="en-GB" dirty="0" err="1"/>
+              <a:t>mrr</a:t>
+            </a:r>
+            <a:r>
+              <a:rPr lang="en-GB" dirty="0"/>
+              <a:t> = 0</a:t>
+            </a:r>
+          </a:p>
+          <a:p>
+            <a:r>
+              <a:rPr lang="en-GB" dirty="0"/>
+              <a:t>    # Iterate all sessions</a:t>
+            </a:r>
+          </a:p>
+          <a:p>
+            <a:r>
+              <a:rPr lang="en-GB" dirty="0"/>
+              <a:t>    for </a:t>
+            </a:r>
+            <a:r>
+              <a:rPr lang="en-GB" dirty="0" err="1"/>
+              <a:t>sess_id</a:t>
+            </a:r>
+            <a:r>
+              <a:rPr lang="en-GB" dirty="0"/>
+              <a:t> in </a:t>
+            </a:r>
+            <a:r>
+              <a:rPr lang="en-GB" dirty="0" err="1"/>
+              <a:t>tqdm</a:t>
+            </a:r>
+            <a:r>
+              <a:rPr lang="en-GB" dirty="0"/>
+              <a:t>(</a:t>
+            </a:r>
+            <a:r>
+              <a:rPr lang="en-GB" dirty="0" err="1"/>
+              <a:t>test_df</a:t>
+            </a:r>
+            <a:r>
+              <a:rPr lang="en-GB" dirty="0"/>
+              <a:t>['</a:t>
+            </a:r>
+            <a:r>
+              <a:rPr lang="en-GB" dirty="0" err="1"/>
+              <a:t>session_id</a:t>
+            </a:r>
+            <a:r>
+              <a:rPr lang="en-GB" dirty="0"/>
+              <a:t>']):</a:t>
+            </a:r>
+          </a:p>
+          <a:p>
+            <a:r>
+              <a:rPr lang="en-GB" dirty="0"/>
+              <a:t>        # Make view for only this session with all ranked</a:t>
+            </a:r>
+          </a:p>
+          <a:p>
+            <a:r>
+              <a:rPr lang="en-GB" dirty="0"/>
+              <a:t>        ranked = </a:t>
+            </a:r>
+            <a:r>
+              <a:rPr lang="en-GB" dirty="0" err="1"/>
+              <a:t>result_df</a:t>
+            </a:r>
+            <a:r>
+              <a:rPr lang="en-GB" dirty="0"/>
+              <a:t>[</a:t>
+            </a:r>
+            <a:r>
+              <a:rPr lang="en-GB" dirty="0" err="1"/>
+              <a:t>result_df</a:t>
+            </a:r>
+            <a:r>
+              <a:rPr lang="en-GB" dirty="0"/>
+              <a:t>['</a:t>
+            </a:r>
+            <a:r>
+              <a:rPr lang="en-GB" dirty="0" err="1"/>
+              <a:t>session_id</a:t>
+            </a:r>
+            <a:r>
+              <a:rPr lang="en-GB" dirty="0"/>
+              <a:t>']==</a:t>
+            </a:r>
+            <a:r>
+              <a:rPr lang="en-GB" dirty="0" err="1"/>
+              <a:t>sess_id</a:t>
+            </a:r>
+            <a:r>
+              <a:rPr lang="en-GB" dirty="0"/>
+              <a:t>]['</a:t>
+            </a:r>
+            <a:r>
+              <a:rPr lang="en-GB" dirty="0" err="1"/>
+              <a:t>item_id</a:t>
+            </a:r>
+            <a:r>
+              <a:rPr lang="en-GB" dirty="0"/>
+              <a:t>'].</a:t>
+            </a:r>
+            <a:r>
+              <a:rPr lang="en-GB" dirty="0" err="1"/>
+              <a:t>reset_index</a:t>
+            </a:r>
+            <a:r>
+              <a:rPr lang="en-GB" dirty="0"/>
+              <a:t>(drop=True)</a:t>
+            </a:r>
+          </a:p>
+          <a:p>
+            <a:r>
+              <a:rPr lang="en-GB" dirty="0"/>
+              <a:t>        </a:t>
+            </a:r>
+            <a:r>
+              <a:rPr lang="en-GB" dirty="0" err="1"/>
+              <a:t>real_item_id</a:t>
+            </a:r>
+            <a:r>
+              <a:rPr lang="en-GB" dirty="0"/>
+              <a:t> = </a:t>
+            </a:r>
+            <a:r>
+              <a:rPr lang="en-GB" dirty="0" err="1"/>
+              <a:t>test_df</a:t>
+            </a:r>
+            <a:r>
+              <a:rPr lang="en-GB" dirty="0"/>
+              <a:t>[</a:t>
+            </a:r>
+            <a:r>
+              <a:rPr lang="en-GB" dirty="0" err="1"/>
+              <a:t>test_df</a:t>
+            </a:r>
+            <a:r>
+              <a:rPr lang="en-GB" dirty="0"/>
+              <a:t>['</a:t>
+            </a:r>
+            <a:r>
+              <a:rPr lang="en-GB" dirty="0" err="1"/>
+              <a:t>session_id</a:t>
+            </a:r>
+            <a:r>
+              <a:rPr lang="en-GB" dirty="0"/>
+              <a:t>']==</a:t>
+            </a:r>
+            <a:r>
+              <a:rPr lang="en-GB" dirty="0" err="1"/>
+              <a:t>sess_id</a:t>
+            </a:r>
+            <a:r>
+              <a:rPr lang="en-GB" dirty="0"/>
+              <a:t>]['</a:t>
+            </a:r>
+            <a:r>
+              <a:rPr lang="en-GB" dirty="0" err="1"/>
+              <a:t>item_id</a:t>
+            </a:r>
+            <a:r>
+              <a:rPr lang="en-GB" dirty="0"/>
+              <a:t>'].</a:t>
+            </a:r>
+            <a:r>
+              <a:rPr lang="en-GB" dirty="0" err="1"/>
+              <a:t>reset_index</a:t>
+            </a:r>
+            <a:r>
+              <a:rPr lang="en-GB" dirty="0"/>
+              <a:t>(drop=True)[0] </a:t>
+            </a:r>
+          </a:p>
+          <a:p>
+            <a:r>
+              <a:rPr lang="en-GB" dirty="0"/>
+              <a:t>        </a:t>
+            </a:r>
+            <a:r>
+              <a:rPr lang="en-GB" dirty="0" err="1"/>
+              <a:t>first_rank</a:t>
+            </a:r>
+            <a:r>
+              <a:rPr lang="en-GB" dirty="0"/>
+              <a:t> = 100</a:t>
+            </a:r>
+          </a:p>
+          <a:p>
+            <a:r>
+              <a:rPr lang="en-GB" dirty="0"/>
+              <a:t>        </a:t>
+            </a:r>
+            <a:r>
+              <a:rPr lang="en-GB" dirty="0" err="1"/>
+              <a:t>found_t</a:t>
+            </a:r>
+            <a:r>
+              <a:rPr lang="en-GB" dirty="0"/>
+              <a:t> = ranked[ranked == </a:t>
+            </a:r>
+            <a:r>
+              <a:rPr lang="en-GB" dirty="0" err="1"/>
+              <a:t>real_item_id</a:t>
+            </a:r>
+            <a:r>
+              <a:rPr lang="en-GB" dirty="0"/>
+              <a:t>]</a:t>
+            </a:r>
+          </a:p>
+          <a:p>
+            <a:r>
+              <a:rPr lang="en-GB" dirty="0"/>
+              <a:t>        if </a:t>
+            </a:r>
+            <a:r>
+              <a:rPr lang="en-GB" dirty="0" err="1"/>
+              <a:t>len</a:t>
+            </a:r>
+            <a:r>
+              <a:rPr lang="en-GB" dirty="0"/>
+              <a:t>(</a:t>
+            </a:r>
+            <a:r>
+              <a:rPr lang="en-GB" dirty="0" err="1"/>
+              <a:t>found_t</a:t>
+            </a:r>
+            <a:r>
+              <a:rPr lang="en-GB" dirty="0"/>
+              <a:t>)!=0 :</a:t>
+            </a:r>
+          </a:p>
+          <a:p>
+            <a:r>
+              <a:rPr lang="en-GB" dirty="0"/>
+              <a:t>            </a:t>
+            </a:r>
+            <a:r>
+              <a:rPr lang="en-GB" dirty="0" err="1"/>
+              <a:t>first_rank</a:t>
+            </a:r>
+            <a:r>
+              <a:rPr lang="en-GB" dirty="0"/>
+              <a:t> = </a:t>
+            </a:r>
+            <a:r>
+              <a:rPr lang="en-GB" dirty="0" err="1"/>
+              <a:t>found_t.index</a:t>
+            </a:r>
+            <a:r>
+              <a:rPr lang="en-GB" dirty="0"/>
+              <a:t>[0]+1           </a:t>
+            </a:r>
+          </a:p>
+          <a:p>
+            <a:r>
+              <a:rPr lang="en-GB" dirty="0"/>
+              <a:t>        </a:t>
+            </a:r>
+            <a:r>
+              <a:rPr lang="en-GB" dirty="0" err="1"/>
+              <a:t>mrr</a:t>
+            </a:r>
+            <a:r>
+              <a:rPr lang="en-GB" dirty="0"/>
+              <a:t> =</a:t>
+            </a:r>
+            <a:r>
+              <a:rPr lang="en-GB" dirty="0" err="1"/>
+              <a:t>mrr</a:t>
+            </a:r>
+            <a:r>
+              <a:rPr lang="en-GB" dirty="0"/>
+              <a:t>+ 1/</a:t>
+            </a:r>
+            <a:r>
+              <a:rPr lang="en-GB" dirty="0" err="1"/>
+              <a:t>first_rank</a:t>
+            </a:r>
+            <a:endParaRPr lang="en-GB" dirty="0"/>
+          </a:p>
+          <a:p>
+            <a:r>
+              <a:rPr lang="en-GB" dirty="0"/>
+              <a:t>        </a:t>
+            </a:r>
+          </a:p>
+          <a:p>
+            <a:r>
+              <a:rPr lang="en-GB" dirty="0"/>
+              <a:t>    </a:t>
+            </a:r>
+            <a:r>
+              <a:rPr lang="en-GB" dirty="0" err="1"/>
+              <a:t>mrr</a:t>
+            </a:r>
+            <a:r>
+              <a:rPr lang="en-GB" dirty="0"/>
+              <a:t> = </a:t>
+            </a:r>
+            <a:r>
+              <a:rPr lang="en-GB" dirty="0" err="1"/>
+              <a:t>mrr</a:t>
+            </a:r>
+            <a:r>
+              <a:rPr lang="en-GB" dirty="0"/>
+              <a:t> / </a:t>
+            </a:r>
+            <a:r>
+              <a:rPr lang="en-GB" dirty="0" err="1"/>
+              <a:t>test_df</a:t>
+            </a:r>
+            <a:r>
+              <a:rPr lang="en-GB" dirty="0"/>
+              <a:t>['</a:t>
+            </a:r>
+            <a:r>
+              <a:rPr lang="en-GB" dirty="0" err="1"/>
+              <a:t>session_id</a:t>
+            </a:r>
+            <a:r>
+              <a:rPr lang="en-GB" dirty="0"/>
+              <a:t>'].</a:t>
+            </a:r>
+            <a:r>
+              <a:rPr lang="en-GB" dirty="0" err="1"/>
+              <a:t>nunique</a:t>
+            </a:r>
+            <a:r>
+              <a:rPr lang="en-GB" dirty="0"/>
+              <a:t>()</a:t>
+            </a:r>
+          </a:p>
+          <a:p>
+            <a:r>
+              <a:rPr lang="en-GB" dirty="0"/>
+              <a:t>    return </a:t>
+            </a:r>
+            <a:r>
+              <a:rPr lang="en-GB" dirty="0" err="1"/>
+              <a:t>mrr</a:t>
+            </a:r>
+            <a:endParaRPr lang="en-GB" dirty="0"/>
+          </a:p>
+        </p:txBody>
+      </p:sp>
+    </p:spTree>
+    <p:extLst>
+      <p:ext uri="{BB962C8B-B14F-4D97-AF65-F5344CB8AC3E}">
+        <p14:creationId xmlns:p14="http://schemas.microsoft.com/office/powerpoint/2010/main" val="2225364917"/>
+      </p:ext>
+    </p:extLst>
+  </p:cSld>
+  <p:clrMapOvr>
+    <a:masterClrMapping/>
+  </p:clrMapOvr>
+</p:sld>
+</file>
+
+<file path=ppt/slides/slide21.xml><?xml version="1.0" encoding="utf-8"?>
+<p:sld xmlns:a="http://schemas.openxmlformats.org/drawingml/2006/main" xmlns:r="http://schemas.openxmlformats.org/officeDocument/2006/relationships" xmlns:p="http://schemas.openxmlformats.org/presentationml/2006/main">
+  <p:cSld>
+    <p:spTree>
+      <p:nvGrpSpPr>
+        <p:cNvPr id="1" name=""/>
+        <p:cNvGrpSpPr/>
+        <p:nvPr/>
+      </p:nvGrpSpPr>
+      <p:grpSpPr>
+        <a:xfrm>
+          <a:off x="0" y="0"/>
+          <a:ext cx="0" cy="0"/>
+          <a:chOff x="0" y="0"/>
+          <a:chExt cx="0" cy="0"/>
+        </a:xfrm>
+      </p:grpSpPr>
+      <p:sp>
+        <p:nvSpPr>
+          <p:cNvPr id="2" name="Title 1">
+            <a:extLst>
+              <a:ext uri="{FF2B5EF4-FFF2-40B4-BE49-F238E27FC236}">
+                <a16:creationId xmlns:a16="http://schemas.microsoft.com/office/drawing/2014/main" id="{B57DC8CC-35AE-2EA2-067E-B7B52AAB87AA}"/>
+              </a:ext>
+            </a:extLst>
+          </p:cNvPr>
+          <p:cNvSpPr>
+            <a:spLocks noGrp="1"/>
+          </p:cNvSpPr>
+          <p:nvPr>
+            <p:ph type="title"/>
+          </p:nvPr>
+        </p:nvSpPr>
+        <p:spPr/>
+        <p:txBody>
+          <a:bodyPr/>
+          <a:lstStyle/>
+          <a:p>
+            <a:r>
+              <a:rPr lang="bg-BG" dirty="0"/>
+              <a:t>Финален резултат</a:t>
+            </a:r>
+            <a:endParaRPr lang="en-GB" dirty="0"/>
+          </a:p>
+        </p:txBody>
+      </p:sp>
+      <p:pic>
+        <p:nvPicPr>
+          <p:cNvPr id="5" name="Content Placeholder 4">
+            <a:extLst>
+              <a:ext uri="{FF2B5EF4-FFF2-40B4-BE49-F238E27FC236}">
+                <a16:creationId xmlns:a16="http://schemas.microsoft.com/office/drawing/2014/main" id="{A4DD7371-6F3B-2417-11E6-F3CF2E0B37C8}"/>
+              </a:ext>
+            </a:extLst>
+          </p:cNvPr>
+          <p:cNvPicPr>
+            <a:picLocks noGrp="1" noChangeAspect="1"/>
+          </p:cNvPicPr>
+          <p:nvPr>
+            <p:ph idx="1"/>
+          </p:nvPr>
+        </p:nvPicPr>
+        <p:blipFill>
+          <a:blip r:embed="rId2"/>
+          <a:stretch>
+            <a:fillRect/>
+          </a:stretch>
+        </p:blipFill>
+        <p:spPr>
+          <a:xfrm>
+            <a:off x="2589213" y="2478674"/>
+            <a:ext cx="8915400" cy="3088102"/>
+          </a:xfrm>
+        </p:spPr>
+      </p:pic>
+    </p:spTree>
+    <p:extLst>
+      <p:ext uri="{BB962C8B-B14F-4D97-AF65-F5344CB8AC3E}">
+        <p14:creationId xmlns:p14="http://schemas.microsoft.com/office/powerpoint/2010/main" val="1530878027"/>
+      </p:ext>
+    </p:extLst>
+  </p:cSld>
+  <p:clrMapOvr>
+    <a:masterClrMapping/>
+  </p:clrMapOvr>
+</p:sld>
+</file>
+
+<file path=ppt/slides/slide22.xml><?xml version="1.0" encoding="utf-8"?>
+<p:sld xmlns:a="http://schemas.openxmlformats.org/drawingml/2006/main" xmlns:r="http://schemas.openxmlformats.org/officeDocument/2006/relationships" xmlns:p="http://schemas.openxmlformats.org/presentationml/2006/main">
+  <p:cSld>
+    <p:spTree>
+      <p:nvGrpSpPr>
+        <p:cNvPr id="1" name=""/>
+        <p:cNvGrpSpPr/>
+        <p:nvPr/>
+      </p:nvGrpSpPr>
+      <p:grpSpPr>
+        <a:xfrm>
+          <a:off x="0" y="0"/>
+          <a:ext cx="0" cy="0"/>
+          <a:chOff x="0" y="0"/>
+          <a:chExt cx="0" cy="0"/>
+        </a:xfrm>
+      </p:grpSpPr>
+      <p:sp>
+        <p:nvSpPr>
+          <p:cNvPr id="2" name="Title 1">
+            <a:extLst>
+              <a:ext uri="{FF2B5EF4-FFF2-40B4-BE49-F238E27FC236}">
+                <a16:creationId xmlns:a16="http://schemas.microsoft.com/office/drawing/2014/main" id="{F7BCD71C-0DEF-7034-813B-EF425F424144}"/>
+              </a:ext>
+            </a:extLst>
+          </p:cNvPr>
+          <p:cNvSpPr>
+            <a:spLocks noGrp="1"/>
+          </p:cNvSpPr>
+          <p:nvPr>
+            <p:ph type="title"/>
+          </p:nvPr>
+        </p:nvSpPr>
+        <p:spPr/>
+        <p:txBody>
+          <a:bodyPr/>
+          <a:lstStyle/>
+          <a:p>
+            <a:r>
+              <a:rPr lang="bg-BG" dirty="0"/>
+              <a:t>Подаване към Лидерборда</a:t>
+            </a:r>
+            <a:endParaRPr lang="en-GB" dirty="0"/>
+          </a:p>
+        </p:txBody>
+      </p:sp>
+      <p:pic>
+        <p:nvPicPr>
+          <p:cNvPr id="5" name="Content Placeholder 4">
+            <a:extLst>
+              <a:ext uri="{FF2B5EF4-FFF2-40B4-BE49-F238E27FC236}">
+                <a16:creationId xmlns:a16="http://schemas.microsoft.com/office/drawing/2014/main" id="{E105A134-B698-7C45-5430-65F409BE0740}"/>
+              </a:ext>
+            </a:extLst>
+          </p:cNvPr>
+          <p:cNvPicPr>
+            <a:picLocks noGrp="1" noChangeAspect="1"/>
+          </p:cNvPicPr>
+          <p:nvPr>
+            <p:ph idx="1"/>
+          </p:nvPr>
+        </p:nvPicPr>
+        <p:blipFill>
+          <a:blip r:embed="rId2"/>
+          <a:stretch>
+            <a:fillRect/>
+          </a:stretch>
+        </p:blipFill>
+        <p:spPr>
+          <a:xfrm>
+            <a:off x="2736016" y="2500312"/>
+            <a:ext cx="8077876" cy="2852737"/>
+          </a:xfrm>
+        </p:spPr>
+      </p:pic>
+    </p:spTree>
+    <p:extLst>
+      <p:ext uri="{BB962C8B-B14F-4D97-AF65-F5344CB8AC3E}">
+        <p14:creationId xmlns:p14="http://schemas.microsoft.com/office/powerpoint/2010/main" val="3626119289"/>
+      </p:ext>
+    </p:extLst>
+  </p:cSld>
+  <p:clrMapOvr>
+    <a:masterClrMapping/>
+  </p:clrMapOvr>
+</p:sld>
+</file>
+
+<file path=ppt/slides/slide23.xml><?xml version="1.0" encoding="utf-8"?>
+<p:sld xmlns:a="http://schemas.openxmlformats.org/drawingml/2006/main" xmlns:r="http://schemas.openxmlformats.org/officeDocument/2006/relationships" xmlns:p="http://schemas.openxmlformats.org/presentationml/2006/main">
+  <p:cSld>
+    <p:spTree>
+      <p:nvGrpSpPr>
+        <p:cNvPr id="1" name=""/>
+        <p:cNvGrpSpPr/>
+        <p:nvPr/>
+      </p:nvGrpSpPr>
+      <p:grpSpPr>
+        <a:xfrm>
+          <a:off x="0" y="0"/>
+          <a:ext cx="0" cy="0"/>
+          <a:chOff x="0" y="0"/>
+          <a:chExt cx="0" cy="0"/>
+        </a:xfrm>
+      </p:grpSpPr>
+      <p:sp>
+        <p:nvSpPr>
+          <p:cNvPr id="2" name="Title 1">
+            <a:extLst>
+              <a:ext uri="{FF2B5EF4-FFF2-40B4-BE49-F238E27FC236}">
+                <a16:creationId xmlns:a16="http://schemas.microsoft.com/office/drawing/2014/main" id="{5BD6C3E7-3F93-96F3-7058-4D793E001B0B}"/>
+              </a:ext>
+            </a:extLst>
+          </p:cNvPr>
+          <p:cNvSpPr>
+            <a:spLocks noGrp="1"/>
+          </p:cNvSpPr>
+          <p:nvPr>
+            <p:ph type="title"/>
+          </p:nvPr>
+        </p:nvSpPr>
+        <p:spPr/>
+        <p:txBody>
+          <a:bodyPr/>
+          <a:lstStyle/>
+          <a:p>
+            <a:r>
+              <a:rPr lang="bg-BG" dirty="0"/>
+              <a:t>Въпроси ?</a:t>
+            </a:r>
+            <a:endParaRPr lang="en-GB" dirty="0"/>
+          </a:p>
+        </p:txBody>
+      </p:sp>
+      <p:sp>
+        <p:nvSpPr>
+          <p:cNvPr id="3" name="Content Placeholder 2">
+            <a:extLst>
+              <a:ext uri="{FF2B5EF4-FFF2-40B4-BE49-F238E27FC236}">
+                <a16:creationId xmlns:a16="http://schemas.microsoft.com/office/drawing/2014/main" id="{E5E13EAC-3AEC-FCE0-FC74-32FA9FAF3B99}"/>
+              </a:ext>
+            </a:extLst>
+          </p:cNvPr>
+          <p:cNvSpPr>
+            <a:spLocks noGrp="1"/>
+          </p:cNvSpPr>
+          <p:nvPr>
+            <p:ph idx="1"/>
+          </p:nvPr>
+        </p:nvSpPr>
+        <p:spPr/>
+        <p:txBody>
+          <a:bodyPr/>
+          <a:lstStyle/>
+          <a:p>
+            <a:endParaRPr lang="en-GB"/>
+          </a:p>
+        </p:txBody>
+      </p:sp>
+    </p:spTree>
+    <p:extLst>
+      <p:ext uri="{BB962C8B-B14F-4D97-AF65-F5344CB8AC3E}">
+        <p14:creationId xmlns:p14="http://schemas.microsoft.com/office/powerpoint/2010/main" val="1842138323"/>
       </p:ext>
     </p:extLst>
   </p:cSld>
